--- a/slides/working-with-azure-vwan.pptx
+++ b/slides/working-with-azure-vwan.pptx
@@ -201,7 +201,7 @@
           <a:p>
             <a:fld id="{39ECB77B-8C2F-499B-AE9C-A56E6D14A93C}" type="datetimeFigureOut">
               <a:rPr lang="nb-NO" smtClean="0"/>
-              <a:t>19.01.2025</a:t>
+              <a:t>09.02.2025</a:t>
             </a:fld>
             <a:endParaRPr lang="nb-NO"/>
           </a:p>
@@ -928,7 +928,7 @@
           <a:p>
             <a:fld id="{CE88D40F-0E01-46E3-A0A3-09B1E418DDBF}" type="datetimeFigureOut">
               <a:rPr lang="en-US" smtClean="0"/>
-              <a:t>1/19/2025</a:t>
+              <a:t>2/9/2025</a:t>
             </a:fld>
             <a:endParaRPr lang="en-US"/>
           </a:p>
@@ -1126,7 +1126,7 @@
           <a:p>
             <a:fld id="{CE88D40F-0E01-46E3-A0A3-09B1E418DDBF}" type="datetimeFigureOut">
               <a:rPr lang="en-US" smtClean="0"/>
-              <a:t>1/19/2025</a:t>
+              <a:t>2/9/2025</a:t>
             </a:fld>
             <a:endParaRPr lang="en-US"/>
           </a:p>
@@ -1334,7 +1334,7 @@
           <a:p>
             <a:fld id="{CE88D40F-0E01-46E3-A0A3-09B1E418DDBF}" type="datetimeFigureOut">
               <a:rPr lang="en-US" smtClean="0"/>
-              <a:t>1/19/2025</a:t>
+              <a:t>2/9/2025</a:t>
             </a:fld>
             <a:endParaRPr lang="en-US"/>
           </a:p>
@@ -1891,7 +1891,7 @@
           <a:p>
             <a:fld id="{CE88D40F-0E01-46E3-A0A3-09B1E418DDBF}" type="datetimeFigureOut">
               <a:rPr lang="en-US" smtClean="0"/>
-              <a:t>1/19/2025</a:t>
+              <a:t>2/9/2025</a:t>
             </a:fld>
             <a:endParaRPr lang="en-US"/>
           </a:p>
@@ -2166,7 +2166,7 @@
           <a:p>
             <a:fld id="{CE88D40F-0E01-46E3-A0A3-09B1E418DDBF}" type="datetimeFigureOut">
               <a:rPr lang="en-US" smtClean="0"/>
-              <a:t>1/19/2025</a:t>
+              <a:t>2/9/2025</a:t>
             </a:fld>
             <a:endParaRPr lang="en-US"/>
           </a:p>
@@ -2431,7 +2431,7 @@
           <a:p>
             <a:fld id="{CE88D40F-0E01-46E3-A0A3-09B1E418DDBF}" type="datetimeFigureOut">
               <a:rPr lang="en-US" smtClean="0"/>
-              <a:t>1/19/2025</a:t>
+              <a:t>2/9/2025</a:t>
             </a:fld>
             <a:endParaRPr lang="en-US"/>
           </a:p>
@@ -2843,7 +2843,7 @@
           <a:p>
             <a:fld id="{CE88D40F-0E01-46E3-A0A3-09B1E418DDBF}" type="datetimeFigureOut">
               <a:rPr lang="en-US" smtClean="0"/>
-              <a:t>1/19/2025</a:t>
+              <a:t>2/9/2025</a:t>
             </a:fld>
             <a:endParaRPr lang="en-US"/>
           </a:p>
@@ -2984,7 +2984,7 @@
           <a:p>
             <a:fld id="{CE88D40F-0E01-46E3-A0A3-09B1E418DDBF}" type="datetimeFigureOut">
               <a:rPr lang="en-US" smtClean="0"/>
-              <a:t>1/19/2025</a:t>
+              <a:t>2/9/2025</a:t>
             </a:fld>
             <a:endParaRPr lang="en-US"/>
           </a:p>
@@ -3097,7 +3097,7 @@
           <a:p>
             <a:fld id="{CE88D40F-0E01-46E3-A0A3-09B1E418DDBF}" type="datetimeFigureOut">
               <a:rPr lang="en-US" smtClean="0"/>
-              <a:t>1/19/2025</a:t>
+              <a:t>2/9/2025</a:t>
             </a:fld>
             <a:endParaRPr lang="en-US"/>
           </a:p>
@@ -3408,7 +3408,7 @@
           <a:p>
             <a:fld id="{CE88D40F-0E01-46E3-A0A3-09B1E418DDBF}" type="datetimeFigureOut">
               <a:rPr lang="en-US" smtClean="0"/>
-              <a:t>1/19/2025</a:t>
+              <a:t>2/9/2025</a:t>
             </a:fld>
             <a:endParaRPr lang="en-US"/>
           </a:p>
@@ -3696,7 +3696,7 @@
           <a:p>
             <a:fld id="{CE88D40F-0E01-46E3-A0A3-09B1E418DDBF}" type="datetimeFigureOut">
               <a:rPr lang="en-US" smtClean="0"/>
-              <a:t>1/19/2025</a:t>
+              <a:t>2/9/2025</a:t>
             </a:fld>
             <a:endParaRPr lang="en-US"/>
           </a:p>
@@ -3937,7 +3937,7 @@
           <a:p>
             <a:fld id="{CE88D40F-0E01-46E3-A0A3-09B1E418DDBF}" type="datetimeFigureOut">
               <a:rPr lang="en-US" smtClean="0"/>
-              <a:t>1/19/2025</a:t>
+              <a:t>2/9/2025</a:t>
             </a:fld>
             <a:endParaRPr lang="en-US"/>
           </a:p>
@@ -5490,7 +5490,7 @@
               <a:rPr lang="en-US" sz="2000" dirty="0">
                 <a:latin typeface="Comic Sans MS" panose="030F0702030302020204" pitchFamily="66" charset="0"/>
               </a:rPr>
-              <a:t>04.02.2025</a:t>
+              <a:t>25.02.2025</a:t>
             </a:r>
           </a:p>
           <a:p>
